--- a/week11/第十一周设计模式、装饰器、生成器.pptx
+++ b/week11/第十一周设计模式、装饰器、生成器.pptx
@@ -6,9 +6,10 @@
   </p:sldMasterIdLst>
   <p:sldIdLst>
     <p:sldId id="256" r:id="rId2"/>
-    <p:sldId id="260" r:id="rId3"/>
-    <p:sldId id="259" r:id="rId4"/>
-    <p:sldId id="258" r:id="rId5"/>
+    <p:sldId id="261" r:id="rId3"/>
+    <p:sldId id="260" r:id="rId4"/>
+    <p:sldId id="259" r:id="rId5"/>
+    <p:sldId id="258" r:id="rId6"/>
   </p:sldIdLst>
   <p:sldSz cx="12192000" cy="6858000"/>
   <p:notesSz cx="6858000" cy="9144000"/>
@@ -246,7 +247,7 @@
           <a:p>
             <a:fld id="{572D11D0-88B8-4AFB-969C-9968A552E825}" type="datetimeFigureOut">
               <a:rPr lang="zh-CN" altLang="en-US" smtClean="0"/>
-              <a:t>2019/11/11</a:t>
+              <a:t>2019/11/16</a:t>
             </a:fld>
             <a:endParaRPr lang="zh-CN" altLang="en-US"/>
           </a:p>
@@ -416,7 +417,7 @@
           <a:p>
             <a:fld id="{572D11D0-88B8-4AFB-969C-9968A552E825}" type="datetimeFigureOut">
               <a:rPr lang="zh-CN" altLang="en-US" smtClean="0"/>
-              <a:t>2019/11/11</a:t>
+              <a:t>2019/11/16</a:t>
             </a:fld>
             <a:endParaRPr lang="zh-CN" altLang="en-US"/>
           </a:p>
@@ -596,7 +597,7 @@
           <a:p>
             <a:fld id="{572D11D0-88B8-4AFB-969C-9968A552E825}" type="datetimeFigureOut">
               <a:rPr lang="zh-CN" altLang="en-US" smtClean="0"/>
-              <a:t>2019/11/11</a:t>
+              <a:t>2019/11/16</a:t>
             </a:fld>
             <a:endParaRPr lang="zh-CN" altLang="en-US"/>
           </a:p>
@@ -766,7 +767,7 @@
           <a:p>
             <a:fld id="{572D11D0-88B8-4AFB-969C-9968A552E825}" type="datetimeFigureOut">
               <a:rPr lang="zh-CN" altLang="en-US" smtClean="0"/>
-              <a:t>2019/11/11</a:t>
+              <a:t>2019/11/16</a:t>
             </a:fld>
             <a:endParaRPr lang="zh-CN" altLang="en-US"/>
           </a:p>
@@ -1010,7 +1011,7 @@
           <a:p>
             <a:fld id="{572D11D0-88B8-4AFB-969C-9968A552E825}" type="datetimeFigureOut">
               <a:rPr lang="zh-CN" altLang="en-US" smtClean="0"/>
-              <a:t>2019/11/11</a:t>
+              <a:t>2019/11/16</a:t>
             </a:fld>
             <a:endParaRPr lang="zh-CN" altLang="en-US"/>
           </a:p>
@@ -1242,7 +1243,7 @@
           <a:p>
             <a:fld id="{572D11D0-88B8-4AFB-969C-9968A552E825}" type="datetimeFigureOut">
               <a:rPr lang="zh-CN" altLang="en-US" smtClean="0"/>
-              <a:t>2019/11/11</a:t>
+              <a:t>2019/11/16</a:t>
             </a:fld>
             <a:endParaRPr lang="zh-CN" altLang="en-US"/>
           </a:p>
@@ -1609,7 +1610,7 @@
           <a:p>
             <a:fld id="{572D11D0-88B8-4AFB-969C-9968A552E825}" type="datetimeFigureOut">
               <a:rPr lang="zh-CN" altLang="en-US" smtClean="0"/>
-              <a:t>2019/11/11</a:t>
+              <a:t>2019/11/16</a:t>
             </a:fld>
             <a:endParaRPr lang="zh-CN" altLang="en-US"/>
           </a:p>
@@ -1727,7 +1728,7 @@
           <a:p>
             <a:fld id="{572D11D0-88B8-4AFB-969C-9968A552E825}" type="datetimeFigureOut">
               <a:rPr lang="zh-CN" altLang="en-US" smtClean="0"/>
-              <a:t>2019/11/11</a:t>
+              <a:t>2019/11/16</a:t>
             </a:fld>
             <a:endParaRPr lang="zh-CN" altLang="en-US"/>
           </a:p>
@@ -1822,7 +1823,7 @@
           <a:p>
             <a:fld id="{572D11D0-88B8-4AFB-969C-9968A552E825}" type="datetimeFigureOut">
               <a:rPr lang="zh-CN" altLang="en-US" smtClean="0"/>
-              <a:t>2019/11/11</a:t>
+              <a:t>2019/11/16</a:t>
             </a:fld>
             <a:endParaRPr lang="zh-CN" altLang="en-US"/>
           </a:p>
@@ -2099,7 +2100,7 @@
           <a:p>
             <a:fld id="{572D11D0-88B8-4AFB-969C-9968A552E825}" type="datetimeFigureOut">
               <a:rPr lang="zh-CN" altLang="en-US" smtClean="0"/>
-              <a:t>2019/11/11</a:t>
+              <a:t>2019/11/16</a:t>
             </a:fld>
             <a:endParaRPr lang="zh-CN" altLang="en-US"/>
           </a:p>
@@ -2356,7 +2357,7 @@
           <a:p>
             <a:fld id="{572D11D0-88B8-4AFB-969C-9968A552E825}" type="datetimeFigureOut">
               <a:rPr lang="zh-CN" altLang="en-US" smtClean="0"/>
-              <a:t>2019/11/11</a:t>
+              <a:t>2019/11/16</a:t>
             </a:fld>
             <a:endParaRPr lang="zh-CN" altLang="en-US"/>
           </a:p>
@@ -2569,7 +2570,7 @@
           <a:p>
             <a:fld id="{572D11D0-88B8-4AFB-969C-9968A552E825}" type="datetimeFigureOut">
               <a:rPr lang="zh-CN" altLang="en-US" smtClean="0"/>
-              <a:t>2019/11/11</a:t>
+              <a:t>2019/11/16</a:t>
             </a:fld>
             <a:endParaRPr lang="zh-CN" altLang="en-US"/>
           </a:p>
@@ -3024,8 +3025,8 @@
         </p:nvSpPr>
         <p:spPr>
           <a:xfrm>
-            <a:off x="1516408" y="3429000"/>
-            <a:ext cx="9525965" cy="646331"/>
+            <a:off x="671582" y="3380811"/>
+            <a:ext cx="11394524" cy="646331"/>
           </a:xfrm>
           <a:prstGeom prst="rect">
             <a:avLst/>
@@ -3064,7 +3065,7 @@
                 <a:latin typeface="微软雅黑" panose="020B0503020204020204" pitchFamily="34" charset="-122"/>
                 <a:ea typeface="微软雅黑" panose="020B0503020204020204" pitchFamily="34" charset="-122"/>
               </a:rPr>
-              <a:t>设计模式和生成器</a:t>
+              <a:t>生成器、设计模式、装饰器</a:t>
             </a:r>
           </a:p>
         </p:txBody>
@@ -3220,7 +3221,7 @@
           <p:cNvPr id="2" name="标题 1">
             <a:extLst>
               <a:ext uri="{FF2B5EF4-FFF2-40B4-BE49-F238E27FC236}">
-                <a16:creationId xmlns:a16="http://schemas.microsoft.com/office/drawing/2014/main" id="{D5F72FE8-8649-47DC-B078-D55DCC6A8396}"/>
+                <a16:creationId xmlns:a16="http://schemas.microsoft.com/office/drawing/2014/main" id="{DE36963B-B8AA-4927-9456-F76329B842DD}"/>
               </a:ext>
             </a:extLst>
           </p:cNvPr>
@@ -3231,41 +3232,23 @@
             <p:ph type="title"/>
           </p:nvPr>
         </p:nvSpPr>
-        <p:spPr>
-          <a:xfrm>
-            <a:off x="838200" y="161927"/>
-            <a:ext cx="11353800" cy="1325563"/>
-          </a:xfrm>
-        </p:spPr>
+        <p:spPr/>
         <p:txBody>
           <a:bodyPr/>
           <a:lstStyle/>
           <a:p>
             <a:r>
               <a:rPr lang="zh-CN" altLang="en-US" dirty="0"/>
-              <a:t>工厂模式</a:t>
-            </a:r>
-            <a:r>
-              <a:rPr lang="zh-CN" altLang="zh-CN" dirty="0"/>
-              <a:t>（</a:t>
+              <a:t>单例模式（</a:t>
             </a:r>
             <a:r>
               <a:rPr lang="en-US" altLang="zh-CN" dirty="0"/>
-              <a:t>Factory</a:t>
-            </a:r>
-            <a:r>
-              <a:rPr lang="zh-CN" altLang="zh-CN" dirty="0"/>
+              <a:t>Singleton</a:t>
+            </a:r>
+            <a:r>
+              <a:rPr lang="zh-CN" altLang="en-US" dirty="0"/>
               <a:t>）</a:t>
             </a:r>
-            <a:r>
-              <a:rPr lang="en-US" altLang="zh-CN" dirty="0"/>
-              <a:t>:</a:t>
-            </a:r>
-            <a:r>
-              <a:rPr lang="zh-CN" altLang="zh-CN" dirty="0"/>
-              <a:t>创建对象的一种方式</a:t>
-            </a:r>
-            <a:endParaRPr lang="zh-CN" altLang="en-US" dirty="0"/>
           </a:p>
         </p:txBody>
       </p:sp>
@@ -3274,7 +3257,7 @@
           <p:cNvPr id="3" name="内容占位符 2">
             <a:extLst>
               <a:ext uri="{FF2B5EF4-FFF2-40B4-BE49-F238E27FC236}">
-                <a16:creationId xmlns:a16="http://schemas.microsoft.com/office/drawing/2014/main" id="{44A1DDA0-4508-423E-AB2A-F373A289EE57}"/>
+                <a16:creationId xmlns:a16="http://schemas.microsoft.com/office/drawing/2014/main" id="{D890B757-4A7D-48DD-8CEF-D39F87DCD7C2}"/>
               </a:ext>
             </a:extLst>
           </p:cNvPr>
@@ -3285,134 +3268,64 @@
             <p:ph idx="1"/>
           </p:nvPr>
         </p:nvSpPr>
-        <p:spPr>
-          <a:xfrm>
-            <a:off x="838200" y="1209398"/>
-            <a:ext cx="11353800" cy="5648602"/>
-          </a:xfrm>
-        </p:spPr>
+        <p:spPr/>
         <p:txBody>
           <a:bodyPr>
-            <a:normAutofit fontScale="77500" lnSpcReduction="20000"/>
+            <a:normAutofit/>
           </a:bodyPr>
           <a:lstStyle/>
           <a:p>
             <a:pPr>
               <a:lnSpc>
-                <a:spcPct val="120000"/>
+                <a:spcPct val="100000"/>
               </a:lnSpc>
             </a:pPr>
             <a:r>
-              <a:rPr lang="zh-CN" altLang="zh-CN" dirty="0"/>
-              <a:t>工厂模式创建对象的</a:t>
-            </a:r>
-            <a:r>
               <a:rPr lang="zh-CN" altLang="en-US" dirty="0"/>
-              <a:t>几种</a:t>
-            </a:r>
-            <a:r>
-              <a:rPr lang="zh-CN" altLang="zh-CN" dirty="0"/>
-              <a:t>方式：</a:t>
+              <a:t>目标</a:t>
+            </a:r>
+            <a:r>
+              <a:rPr lang="zh-CN" altLang="zh-CN" dirty="0"/>
+              <a:t>：全局只有一个实例（尽管实例化了很多次，但都指向同一个实例对象）</a:t>
             </a:r>
           </a:p>
           <a:p>
             <a:pPr>
               <a:lnSpc>
-                <a:spcPct val="120000"/>
+                <a:spcPct val="100000"/>
               </a:lnSpc>
             </a:pPr>
             <a:r>
+              <a:rPr lang="zh-CN" altLang="zh-CN" dirty="0"/>
+              <a:t>应用场景：输入法，</a:t>
+            </a:r>
+            <a:r>
               <a:rPr lang="en-US" altLang="zh-CN" dirty="0"/>
-              <a:t>1.</a:t>
-            </a:r>
-            <a:r>
-              <a:rPr lang="zh-CN" altLang="zh-CN" dirty="0"/>
-              <a:t>类的实例化</a:t>
-            </a:r>
+              <a:t>IDE</a:t>
+            </a:r>
+            <a:r>
+              <a:rPr lang="zh-CN" altLang="en-US" dirty="0"/>
+              <a:t>，</a:t>
+            </a:r>
+            <a:r>
+              <a:rPr lang="zh-CN" altLang="zh-CN" dirty="0"/>
+              <a:t>全局配置参数</a:t>
+            </a:r>
+            <a:r>
+              <a:rPr lang="zh-CN" altLang="en-US" dirty="0"/>
+              <a:t>。换了一台电脑，不用重新配置。</a:t>
+            </a:r>
+            <a:endParaRPr lang="zh-CN" altLang="zh-CN" dirty="0"/>
           </a:p>
           <a:p>
             <a:pPr>
               <a:lnSpc>
-                <a:spcPct val="120000"/>
+                <a:spcPct val="100000"/>
               </a:lnSpc>
             </a:pPr>
             <a:r>
-              <a:rPr lang="en-US" altLang="zh-CN" dirty="0"/>
-              <a:t>2.</a:t>
-            </a:r>
-            <a:r>
-              <a:rPr lang="zh-CN" altLang="zh-CN" dirty="0"/>
-              <a:t>复制：对象的引用，浅拷贝（切片拷贝，不会递归复制</a:t>
-            </a:r>
-            <a:r>
               <a:rPr lang="zh-CN" altLang="en-US" dirty="0"/>
-              <a:t>；</a:t>
-            </a:r>
-            <a:r>
-              <a:rPr lang="en-US" altLang="zh-CN" dirty="0" err="1"/>
-              <a:t>copy.copy</a:t>
-            </a:r>
-            <a:r>
-              <a:rPr lang="zh-CN" altLang="zh-CN" dirty="0"/>
-              <a:t>）和深</a:t>
-            </a:r>
-            <a:r>
-              <a:rPr lang="zh-CN" altLang="en-US" dirty="0"/>
-              <a:t>拷贝</a:t>
-            </a:r>
-            <a:r>
-              <a:rPr lang="en-US" altLang="zh-CN" dirty="0"/>
-              <a:t>(</a:t>
-            </a:r>
-            <a:r>
-              <a:rPr lang="en-US" altLang="zh-CN" dirty="0" err="1"/>
-              <a:t>copy.deepcopy</a:t>
-            </a:r>
-            <a:r>
-              <a:rPr lang="en-US" altLang="zh-CN" dirty="0"/>
-              <a:t>())</a:t>
-            </a:r>
-            <a:r>
-              <a:rPr lang="zh-CN" altLang="zh-CN" dirty="0"/>
-              <a:t>。</a:t>
-            </a:r>
-            <a:r>
-              <a:rPr lang="en-US" altLang="zh-CN" dirty="0"/>
-              <a:t>pickle</a:t>
-            </a:r>
-            <a:r>
-              <a:rPr lang="zh-CN" altLang="en-US" dirty="0"/>
-              <a:t>导入的对象</a:t>
-            </a:r>
-            <a:r>
-              <a:rPr lang="zh-CN" altLang="zh-CN" dirty="0"/>
-              <a:t>。</a:t>
-            </a:r>
-          </a:p>
-          <a:p>
-            <a:pPr>
-              <a:lnSpc>
-                <a:spcPct val="120000"/>
-              </a:lnSpc>
-            </a:pPr>
-            <a:r>
-              <a:rPr lang="en-US" altLang="zh-CN" dirty="0"/>
-              <a:t>3.</a:t>
-            </a:r>
-            <a:r>
-              <a:rPr lang="zh-CN" altLang="zh-CN" dirty="0"/>
-              <a:t>工厂类创建对象：有一些方法能生成特定的实例对象。</a:t>
-            </a:r>
-          </a:p>
-          <a:p>
-            <a:pPr>
-              <a:lnSpc>
-                <a:spcPct val="120000"/>
-              </a:lnSpc>
-            </a:pPr>
-            <a:r>
-              <a:rPr lang="zh-CN" altLang="zh-CN" dirty="0"/>
-              <a:t>问题：在</a:t>
+              <a:t>问题：</a:t>
             </a:r>
             <a:r>
               <a:rPr lang="zh-CN" altLang="zh-CN" dirty="0">
@@ -3420,11 +3333,27 @@
                   <a:srgbClr val="FFFF00"/>
                 </a:highlight>
               </a:rPr>
-              <a:t>一类中实例另一类</a:t>
-            </a:r>
-            <a:r>
-              <a:rPr lang="zh-CN" altLang="zh-CN" dirty="0"/>
-              <a:t>，使得类之间具有</a:t>
+              <a:t>多线程并发不安全</a:t>
+            </a:r>
+            <a:r>
+              <a:rPr lang="zh-CN" altLang="en-US" dirty="0">
+                <a:highlight>
+                  <a:srgbClr val="FFFF00"/>
+                </a:highlight>
+              </a:rPr>
+              <a:t>，</a:t>
+            </a:r>
+            <a:r>
+              <a:rPr lang="zh-CN" altLang="zh-CN" dirty="0"/>
+              <a:t>可能创建两个实例。因此本模式只支持单线程。</a:t>
+            </a:r>
+            <a:r>
+              <a:rPr lang="zh-CN" altLang="en-US" dirty="0">
+                <a:highlight>
+                  <a:srgbClr val="FFFF00"/>
+                </a:highlight>
+              </a:rPr>
+              <a:t>多线程</a:t>
             </a:r>
             <a:r>
               <a:rPr lang="zh-CN" altLang="zh-CN" dirty="0">
@@ -3432,168 +3361,22 @@
                   <a:srgbClr val="FFFF00"/>
                 </a:highlight>
               </a:rPr>
-              <a:t>强耦合性</a:t>
-            </a:r>
-            <a:r>
-              <a:rPr lang="zh-CN" altLang="zh-CN" dirty="0"/>
-              <a:t>（</a:t>
-            </a:r>
-            <a:r>
-              <a:rPr lang="zh-CN" altLang="zh-CN" dirty="0">
-                <a:highlight>
-                  <a:srgbClr val="FFFF00"/>
-                </a:highlight>
-              </a:rPr>
-              <a:t>创建对象和使用对象的</a:t>
-            </a:r>
-            <a:r>
-              <a:rPr lang="zh-CN" altLang="zh-CN" dirty="0"/>
-              <a:t>职责耦合在一起。）。</a:t>
-            </a:r>
-            <a:r>
-              <a:rPr lang="zh-CN" altLang="en-US" dirty="0"/>
-              <a:t>导致</a:t>
-            </a:r>
-            <a:r>
-              <a:rPr lang="zh-CN" altLang="zh-CN" dirty="0"/>
-              <a:t>关键类，无法升级。</a:t>
-            </a:r>
-          </a:p>
-          <a:p>
-            <a:pPr>
-              <a:lnSpc>
-                <a:spcPct val="120000"/>
-              </a:lnSpc>
-            </a:pPr>
-            <a:r>
-              <a:rPr lang="zh-CN" altLang="zh-CN" dirty="0"/>
-              <a:t>解决途径：类之间的关系要么创建，要么使用。对象的</a:t>
-            </a:r>
-            <a:r>
-              <a:rPr lang="zh-CN" altLang="zh-CN" dirty="0">
-                <a:highlight>
-                  <a:srgbClr val="FFFF00"/>
-                </a:highlight>
-              </a:rPr>
-              <a:t>创建和使用分离</a:t>
+              <a:t>需要加锁</a:t>
             </a:r>
             <a:r>
               <a:rPr lang="zh-CN" altLang="zh-CN" dirty="0"/>
               <a:t>。</a:t>
             </a:r>
-            <a:r>
-              <a:rPr lang="en-US" altLang="zh-CN" dirty="0">
-                <a:highlight>
-                  <a:srgbClr val="FFFF00"/>
-                </a:highlight>
-              </a:rPr>
-              <a:t>A</a:t>
-            </a:r>
-            <a:r>
-              <a:rPr lang="zh-CN" altLang="zh-CN" dirty="0">
-                <a:highlight>
-                  <a:srgbClr val="FFFF00"/>
-                </a:highlight>
-              </a:rPr>
-              <a:t>的工厂类</a:t>
-            </a:r>
-            <a:r>
-              <a:rPr lang="zh-CN" altLang="zh-CN" dirty="0"/>
-              <a:t>，具有创建类</a:t>
-            </a:r>
-            <a:r>
-              <a:rPr lang="en-US" altLang="zh-CN" dirty="0"/>
-              <a:t>A</a:t>
-            </a:r>
-            <a:r>
-              <a:rPr lang="zh-CN" altLang="zh-CN" dirty="0"/>
-              <a:t>的一个方法，返回</a:t>
-            </a:r>
-            <a:r>
-              <a:rPr lang="en-US" altLang="zh-CN" dirty="0"/>
-              <a:t>A</a:t>
-            </a:r>
-            <a:r>
-              <a:rPr lang="zh-CN" altLang="zh-CN" dirty="0"/>
-              <a:t>的实例对象。当</a:t>
-            </a:r>
-            <a:r>
-              <a:rPr lang="en-US" altLang="zh-CN" dirty="0"/>
-              <a:t>A</a:t>
-            </a:r>
-            <a:r>
-              <a:rPr lang="zh-CN" altLang="zh-CN" dirty="0"/>
-              <a:t>的构造函数改变，只需要改变</a:t>
-            </a:r>
-            <a:r>
-              <a:rPr lang="en-US" altLang="zh-CN" dirty="0" err="1">
-                <a:highlight>
-                  <a:srgbClr val="FFFF00"/>
-                </a:highlight>
-              </a:rPr>
-              <a:t>get_A</a:t>
-            </a:r>
-            <a:r>
-              <a:rPr lang="zh-CN" altLang="zh-CN" dirty="0"/>
-              <a:t>。</a:t>
-            </a:r>
-          </a:p>
-          <a:p>
-            <a:pPr>
-              <a:lnSpc>
-                <a:spcPct val="120000"/>
-              </a:lnSpc>
-            </a:pPr>
-            <a:r>
-              <a:rPr lang="zh-CN" altLang="zh-CN" dirty="0"/>
-              <a:t>好处：解耦。封装代码，</a:t>
-            </a:r>
-            <a:r>
-              <a:rPr lang="zh-CN" altLang="zh-CN" dirty="0">
-                <a:highlight>
-                  <a:srgbClr val="FFFF00"/>
-                </a:highlight>
-              </a:rPr>
-              <a:t>避免实例代码散落</a:t>
-            </a:r>
-            <a:r>
-              <a:rPr lang="zh-CN" altLang="zh-CN" dirty="0"/>
-              <a:t>。</a:t>
-            </a:r>
-          </a:p>
-          <a:p>
-            <a:pPr>
-              <a:lnSpc>
-                <a:spcPct val="120000"/>
-              </a:lnSpc>
-            </a:pPr>
-            <a:r>
-              <a:rPr lang="zh-CN" altLang="zh-CN" dirty="0"/>
-              <a:t>结果：除非</a:t>
-            </a:r>
-            <a:r>
-              <a:rPr lang="en-US" altLang="zh-CN" dirty="0"/>
-              <a:t>A</a:t>
-            </a:r>
-            <a:r>
-              <a:rPr lang="zh-CN" altLang="zh-CN" dirty="0"/>
-              <a:t>的构造函数发生改变。</a:t>
-            </a:r>
-            <a:r>
-              <a:rPr lang="en-US" altLang="zh-CN" dirty="0"/>
-              <a:t>A</a:t>
-            </a:r>
-            <a:r>
-              <a:rPr lang="zh-CN" altLang="zh-CN" dirty="0"/>
-              <a:t>的一般行为函数通常不会改变，行为通常使用类的属性，很少传入参数。</a:t>
-            </a:r>
+          </a:p>
+          <a:p>
+            <a:endParaRPr lang="zh-CN" altLang="en-US" dirty="0"/>
           </a:p>
         </p:txBody>
       </p:sp>
     </p:spTree>
     <p:extLst>
       <p:ext uri="{BB962C8B-B14F-4D97-AF65-F5344CB8AC3E}">
-        <p14:creationId xmlns:p14="http://schemas.microsoft.com/office/powerpoint/2010/main" val="1220339165"/>
+        <p14:creationId xmlns:p14="http://schemas.microsoft.com/office/powerpoint/2010/main" val="3864424469"/>
       </p:ext>
     </p:extLst>
   </p:cSld>
@@ -3625,6 +3408,427 @@
           <p:cNvPr id="2" name="标题 1">
             <a:extLst>
               <a:ext uri="{FF2B5EF4-FFF2-40B4-BE49-F238E27FC236}">
+                <a16:creationId xmlns:a16="http://schemas.microsoft.com/office/drawing/2014/main" id="{D5F72FE8-8649-47DC-B078-D55DCC6A8396}"/>
+              </a:ext>
+            </a:extLst>
+          </p:cNvPr>
+          <p:cNvSpPr>
+            <a:spLocks noGrp="1"/>
+          </p:cNvSpPr>
+          <p:nvPr>
+            <p:ph type="title"/>
+          </p:nvPr>
+        </p:nvSpPr>
+        <p:spPr>
+          <a:xfrm>
+            <a:off x="838200" y="161927"/>
+            <a:ext cx="11353800" cy="1325563"/>
+          </a:xfrm>
+        </p:spPr>
+        <p:txBody>
+          <a:bodyPr/>
+          <a:lstStyle/>
+          <a:p>
+            <a:r>
+              <a:rPr lang="zh-CN" altLang="en-US" dirty="0"/>
+              <a:t>工厂模式</a:t>
+            </a:r>
+            <a:r>
+              <a:rPr lang="zh-CN" altLang="zh-CN" dirty="0"/>
+              <a:t>（</a:t>
+            </a:r>
+            <a:r>
+              <a:rPr lang="en-US" altLang="zh-CN" dirty="0"/>
+              <a:t>Factory</a:t>
+            </a:r>
+            <a:r>
+              <a:rPr lang="zh-CN" altLang="zh-CN" dirty="0"/>
+              <a:t>）</a:t>
+            </a:r>
+            <a:r>
+              <a:rPr lang="en-US" altLang="zh-CN" dirty="0"/>
+              <a:t>:</a:t>
+            </a:r>
+            <a:r>
+              <a:rPr lang="zh-CN" altLang="zh-CN" dirty="0"/>
+              <a:t>创建对象的一种方式</a:t>
+            </a:r>
+            <a:endParaRPr lang="zh-CN" altLang="en-US" dirty="0"/>
+          </a:p>
+        </p:txBody>
+      </p:sp>
+      <p:sp>
+        <p:nvSpPr>
+          <p:cNvPr id="3" name="内容占位符 2">
+            <a:extLst>
+              <a:ext uri="{FF2B5EF4-FFF2-40B4-BE49-F238E27FC236}">
+                <a16:creationId xmlns:a16="http://schemas.microsoft.com/office/drawing/2014/main" id="{44A1DDA0-4508-423E-AB2A-F373A289EE57}"/>
+              </a:ext>
+            </a:extLst>
+          </p:cNvPr>
+          <p:cNvSpPr>
+            <a:spLocks noGrp="1"/>
+          </p:cNvSpPr>
+          <p:nvPr>
+            <p:ph idx="1"/>
+          </p:nvPr>
+        </p:nvSpPr>
+        <p:spPr>
+          <a:xfrm>
+            <a:off x="838200" y="1209398"/>
+            <a:ext cx="11353800" cy="5648602"/>
+          </a:xfrm>
+        </p:spPr>
+        <p:txBody>
+          <a:bodyPr>
+            <a:normAutofit/>
+          </a:bodyPr>
+          <a:lstStyle/>
+          <a:p>
+            <a:pPr>
+              <a:lnSpc>
+                <a:spcPct val="120000"/>
+              </a:lnSpc>
+            </a:pPr>
+            <a:r>
+              <a:rPr lang="zh-CN" altLang="en-US" dirty="0"/>
+              <a:t>场景：在类</a:t>
+            </a:r>
+            <a:r>
+              <a:rPr lang="en-US" altLang="zh-CN" dirty="0"/>
+              <a:t>B</a:t>
+            </a:r>
+            <a:r>
+              <a:rPr lang="zh-CN" altLang="en-US" dirty="0"/>
+              <a:t>中实例化一个类</a:t>
+            </a:r>
+            <a:r>
+              <a:rPr lang="en-US" altLang="zh-CN" dirty="0"/>
+              <a:t>A</a:t>
+            </a:r>
+            <a:r>
+              <a:rPr lang="zh-CN" altLang="en-US" dirty="0"/>
+              <a:t>的对象，调用类</a:t>
+            </a:r>
+            <a:r>
+              <a:rPr lang="en-US" altLang="zh-CN" dirty="0"/>
+              <a:t>A</a:t>
+            </a:r>
+            <a:r>
+              <a:rPr lang="zh-CN" altLang="en-US" dirty="0"/>
+              <a:t>的</a:t>
+            </a:r>
+            <a:r>
+              <a:rPr lang="zh-CN" altLang="en-US" dirty="0">
+                <a:highlight>
+                  <a:srgbClr val="FFFF00"/>
+                </a:highlight>
+              </a:rPr>
+              <a:t>构造函数</a:t>
+            </a:r>
+            <a:r>
+              <a:rPr lang="zh-CN" altLang="en-US" dirty="0"/>
+              <a:t>和</a:t>
+            </a:r>
+            <a:r>
+              <a:rPr lang="zh-CN" altLang="en-US" dirty="0">
+                <a:highlight>
+                  <a:srgbClr val="FFFF00"/>
+                </a:highlight>
+              </a:rPr>
+              <a:t>类方法</a:t>
+            </a:r>
+            <a:r>
+              <a:rPr lang="zh-CN" altLang="en-US" dirty="0"/>
+              <a:t>。</a:t>
+            </a:r>
+            <a:endParaRPr lang="en-US" altLang="zh-CN" dirty="0"/>
+          </a:p>
+          <a:p>
+            <a:pPr>
+              <a:lnSpc>
+                <a:spcPct val="120000"/>
+              </a:lnSpc>
+            </a:pPr>
+            <a:r>
+              <a:rPr lang="zh-CN" altLang="zh-CN" dirty="0"/>
+              <a:t>问题：在</a:t>
+            </a:r>
+            <a:r>
+              <a:rPr lang="zh-CN" altLang="zh-CN" dirty="0">
+                <a:highlight>
+                  <a:srgbClr val="FFFF00"/>
+                </a:highlight>
+              </a:rPr>
+              <a:t>一类中实例另一类</a:t>
+            </a:r>
+            <a:r>
+              <a:rPr lang="zh-CN" altLang="zh-CN" dirty="0"/>
+              <a:t>，</a:t>
+            </a:r>
+            <a:r>
+              <a:rPr lang="zh-CN" altLang="zh-CN" dirty="0">
+                <a:highlight>
+                  <a:srgbClr val="FFFF00"/>
+                </a:highlight>
+              </a:rPr>
+              <a:t>创建对象和使用对象的职责</a:t>
+            </a:r>
+            <a:r>
+              <a:rPr lang="zh-CN" altLang="zh-CN" dirty="0"/>
+              <a:t>耦合在一起。使得类之间具有</a:t>
+            </a:r>
+            <a:r>
+              <a:rPr lang="zh-CN" altLang="zh-CN" dirty="0">
+                <a:highlight>
+                  <a:srgbClr val="FFFF00"/>
+                </a:highlight>
+              </a:rPr>
+              <a:t>强耦合性</a:t>
+            </a:r>
+            <a:r>
+              <a:rPr lang="zh-CN" altLang="zh-CN" dirty="0"/>
+              <a:t>。</a:t>
+            </a:r>
+            <a:r>
+              <a:rPr lang="zh-CN" altLang="en-US" dirty="0"/>
+              <a:t>导致</a:t>
+            </a:r>
+            <a:r>
+              <a:rPr lang="zh-CN" altLang="zh-CN" dirty="0">
+                <a:highlight>
+                  <a:srgbClr val="FFFF00"/>
+                </a:highlight>
+              </a:rPr>
+              <a:t>关键类，无法升级</a:t>
+            </a:r>
+            <a:r>
+              <a:rPr lang="zh-CN" altLang="en-US" dirty="0"/>
+              <a:t>（要升级全得改）</a:t>
+            </a:r>
+            <a:r>
+              <a:rPr lang="zh-CN" altLang="zh-CN" dirty="0"/>
+              <a:t>。</a:t>
+            </a:r>
+          </a:p>
+          <a:p>
+            <a:pPr>
+              <a:lnSpc>
+                <a:spcPct val="120000"/>
+              </a:lnSpc>
+            </a:pPr>
+            <a:r>
+              <a:rPr lang="zh-CN" altLang="zh-CN" dirty="0"/>
+              <a:t>解决：类之间的关系要么创建，要么使用。对象的</a:t>
+            </a:r>
+            <a:r>
+              <a:rPr lang="zh-CN" altLang="zh-CN" dirty="0">
+                <a:highlight>
+                  <a:srgbClr val="FFFF00"/>
+                </a:highlight>
+              </a:rPr>
+              <a:t>创建和使用分离</a:t>
+            </a:r>
+            <a:r>
+              <a:rPr lang="zh-CN" altLang="zh-CN" dirty="0"/>
+              <a:t>。</a:t>
+            </a:r>
+            <a:r>
+              <a:rPr lang="zh-CN" altLang="en-US" dirty="0"/>
+              <a:t>创建</a:t>
+            </a:r>
+            <a:r>
+              <a:rPr lang="en-US" altLang="zh-CN" dirty="0">
+                <a:highlight>
+                  <a:srgbClr val="FFFF00"/>
+                </a:highlight>
+              </a:rPr>
+              <a:t>A</a:t>
+            </a:r>
+            <a:r>
+              <a:rPr lang="zh-CN" altLang="zh-CN" dirty="0">
+                <a:highlight>
+                  <a:srgbClr val="FFFF00"/>
+                </a:highlight>
+              </a:rPr>
+              <a:t>的工厂类</a:t>
+            </a:r>
+            <a:r>
+              <a:rPr lang="zh-CN" altLang="zh-CN" dirty="0"/>
+              <a:t>，具有创建类</a:t>
+            </a:r>
+            <a:r>
+              <a:rPr lang="en-US" altLang="zh-CN" dirty="0"/>
+              <a:t>A</a:t>
+            </a:r>
+            <a:r>
+              <a:rPr lang="zh-CN" altLang="en-US" dirty="0"/>
+              <a:t>实例对象</a:t>
+            </a:r>
+            <a:r>
+              <a:rPr lang="zh-CN" altLang="zh-CN" dirty="0"/>
+              <a:t>的一个方法，返回</a:t>
+            </a:r>
+            <a:r>
+              <a:rPr lang="en-US" altLang="zh-CN" dirty="0"/>
+              <a:t>A</a:t>
+            </a:r>
+            <a:r>
+              <a:rPr lang="zh-CN" altLang="zh-CN" dirty="0"/>
+              <a:t>的实例对象。当</a:t>
+            </a:r>
+            <a:r>
+              <a:rPr lang="en-US" altLang="zh-CN" dirty="0"/>
+              <a:t>A</a:t>
+            </a:r>
+            <a:r>
+              <a:rPr lang="zh-CN" altLang="zh-CN" dirty="0"/>
+              <a:t>的构造函数改变，只需要改变</a:t>
+            </a:r>
+            <a:r>
+              <a:rPr lang="en-US" altLang="zh-CN" dirty="0"/>
+              <a:t>A</a:t>
+            </a:r>
+            <a:r>
+              <a:rPr lang="zh-CN" altLang="en-US" dirty="0"/>
+              <a:t>工厂类的</a:t>
+            </a:r>
+            <a:r>
+              <a:rPr lang="en-US" altLang="zh-CN" dirty="0" err="1">
+                <a:highlight>
+                  <a:srgbClr val="FFFF00"/>
+                </a:highlight>
+              </a:rPr>
+              <a:t>get_A</a:t>
+            </a:r>
+            <a:r>
+              <a:rPr lang="zh-CN" altLang="en-US" dirty="0">
+                <a:highlight>
+                  <a:srgbClr val="FFFF00"/>
+                </a:highlight>
+              </a:rPr>
+              <a:t>方法</a:t>
+            </a:r>
+            <a:r>
+              <a:rPr lang="zh-CN" altLang="zh-CN" dirty="0"/>
+              <a:t>。</a:t>
+            </a:r>
+          </a:p>
+          <a:p>
+            <a:pPr>
+              <a:lnSpc>
+                <a:spcPct val="120000"/>
+              </a:lnSpc>
+            </a:pPr>
+            <a:r>
+              <a:rPr lang="zh-CN" altLang="zh-CN" dirty="0"/>
+              <a:t>好处：解耦。封装代码，</a:t>
+            </a:r>
+            <a:r>
+              <a:rPr lang="zh-CN" altLang="zh-CN" dirty="0">
+                <a:highlight>
+                  <a:srgbClr val="FFFF00"/>
+                </a:highlight>
+              </a:rPr>
+              <a:t>避免实例代码散落</a:t>
+            </a:r>
+            <a:r>
+              <a:rPr lang="zh-CN" altLang="zh-CN" dirty="0"/>
+              <a:t>。</a:t>
+            </a:r>
+          </a:p>
+          <a:p>
+            <a:pPr>
+              <a:lnSpc>
+                <a:spcPct val="120000"/>
+              </a:lnSpc>
+            </a:pPr>
+            <a:r>
+              <a:rPr lang="zh-CN" altLang="en-US" dirty="0"/>
+              <a:t>注意</a:t>
+            </a:r>
+            <a:r>
+              <a:rPr lang="zh-CN" altLang="zh-CN" dirty="0"/>
+              <a:t>：除非</a:t>
+            </a:r>
+            <a:r>
+              <a:rPr lang="en-US" altLang="zh-CN" dirty="0"/>
+              <a:t>A</a:t>
+            </a:r>
+            <a:r>
+              <a:rPr lang="zh-CN" altLang="zh-CN" dirty="0"/>
+              <a:t>的构造函数发生改变。</a:t>
+            </a:r>
+            <a:r>
+              <a:rPr lang="en-US" altLang="zh-CN" dirty="0"/>
+              <a:t>A</a:t>
+            </a:r>
+            <a:r>
+              <a:rPr lang="zh-CN" altLang="zh-CN" dirty="0"/>
+              <a:t>的一般行为函数</a:t>
+            </a:r>
+            <a:r>
+              <a:rPr lang="zh-CN" altLang="en-US" dirty="0"/>
+              <a:t>（方法）</a:t>
+            </a:r>
+            <a:r>
+              <a:rPr lang="zh-CN" altLang="zh-CN" dirty="0"/>
+              <a:t>通常不会改变</a:t>
+            </a:r>
+            <a:r>
+              <a:rPr lang="zh-CN" altLang="en-US" dirty="0"/>
+              <a:t>（</a:t>
+            </a:r>
+            <a:r>
+              <a:rPr lang="zh-CN" altLang="zh-CN" dirty="0"/>
+              <a:t>行为通常使用类的属性，很少传入参数</a:t>
+            </a:r>
+            <a:r>
+              <a:rPr lang="zh-CN" altLang="en-US" dirty="0"/>
+              <a:t>）</a:t>
+            </a:r>
+            <a:r>
+              <a:rPr lang="zh-CN" altLang="zh-CN" dirty="0"/>
+              <a:t>。</a:t>
+            </a:r>
+          </a:p>
+        </p:txBody>
+      </p:sp>
+    </p:spTree>
+    <p:extLst>
+      <p:ext uri="{BB962C8B-B14F-4D97-AF65-F5344CB8AC3E}">
+        <p14:creationId xmlns:p14="http://schemas.microsoft.com/office/powerpoint/2010/main" val="1220339165"/>
+      </p:ext>
+    </p:extLst>
+  </p:cSld>
+  <p:clrMapOvr>
+    <a:masterClrMapping/>
+  </p:clrMapOvr>
+</p:sld>
+</file>
+
+<file path=ppt/slides/slide4.xml><?xml version="1.0" encoding="utf-8"?>
+<p:sld xmlns:a="http://schemas.openxmlformats.org/drawingml/2006/main" xmlns:r="http://schemas.openxmlformats.org/officeDocument/2006/relationships" xmlns:p="http://schemas.openxmlformats.org/presentationml/2006/main">
+  <p:cSld>
+    <p:spTree>
+      <p:nvGrpSpPr>
+        <p:cNvPr id="1" name=""/>
+        <p:cNvGrpSpPr/>
+        <p:nvPr/>
+      </p:nvGrpSpPr>
+      <p:grpSpPr>
+        <a:xfrm>
+          <a:off x="0" y="0"/>
+          <a:ext cx="0" cy="0"/>
+          <a:chOff x="0" y="0"/>
+          <a:chExt cx="0" cy="0"/>
+        </a:xfrm>
+      </p:grpSpPr>
+      <p:sp>
+        <p:nvSpPr>
+          <p:cNvPr id="2" name="标题 1">
+            <a:extLst>
+              <a:ext uri="{FF2B5EF4-FFF2-40B4-BE49-F238E27FC236}">
                 <a16:creationId xmlns:a16="http://schemas.microsoft.com/office/drawing/2014/main" id="{7307A910-1200-48B8-90C3-3A16EF6EBE5A}"/>
               </a:ext>
             </a:extLst>
@@ -3678,7 +3882,7 @@
         </p:spPr>
         <p:txBody>
           <a:bodyPr>
-            <a:normAutofit fontScale="85000" lnSpcReduction="10000"/>
+            <a:normAutofit fontScale="92500" lnSpcReduction="20000"/>
           </a:bodyPr>
           <a:lstStyle/>
           <a:p>
@@ -3713,7 +3917,19 @@
             </a:pPr>
             <a:r>
               <a:rPr lang="zh-CN" altLang="zh-CN" dirty="0"/>
-              <a:t>目的：目标的状态发生改变时，</a:t>
+              <a:t>目的：</a:t>
+            </a:r>
+            <a:r>
+              <a:rPr lang="zh-CN" altLang="zh-CN" dirty="0">
+                <a:highlight>
+                  <a:srgbClr val="FFFF00"/>
+                </a:highlight>
+              </a:rPr>
+              <a:t>目标状态</a:t>
+            </a:r>
+            <a:r>
+              <a:rPr lang="zh-CN" altLang="zh-CN" dirty="0"/>
+              <a:t>发生改变时，</a:t>
             </a:r>
             <a:r>
               <a:rPr lang="zh-CN" altLang="zh-CN" dirty="0">
@@ -3736,8 +3952,13 @@
             </a:pPr>
             <a:r>
               <a:rPr lang="zh-CN" altLang="zh-CN" dirty="0"/>
-              <a:t>场景：消息交换。消息队列。多级触发：温度传感器，火警。</a:t>
-            </a:r>
+              <a:t>场景：消息交换</a:t>
+            </a:r>
+            <a:r>
+              <a:rPr lang="zh-CN" altLang="en-US" dirty="0"/>
+              <a:t>（群消息，微博）</a:t>
+            </a:r>
+            <a:endParaRPr lang="en-US" altLang="zh-CN" dirty="0"/>
           </a:p>
           <a:p>
             <a:pPr>
@@ -3747,7 +3968,7 @@
             </a:pPr>
             <a:r>
               <a:rPr lang="zh-CN" altLang="zh-CN" dirty="0"/>
-              <a:t>正常解决方案：绑定两个类</a:t>
+              <a:t>解决：绑定两个类</a:t>
             </a:r>
             <a:r>
               <a:rPr lang="en-US" altLang="zh-CN" dirty="0"/>
@@ -3765,8 +3986,12 @@
               </a:lnSpc>
             </a:pPr>
             <a:r>
-              <a:rPr lang="zh-CN" altLang="zh-CN" dirty="0"/>
-              <a:t>构成：</a:t>
+              <a:rPr lang="zh-CN" altLang="en-US" dirty="0"/>
+              <a:t>抽象两类对象</a:t>
+            </a:r>
+            <a:r>
+              <a:rPr lang="zh-CN" altLang="zh-CN" dirty="0"/>
+              <a:t>：</a:t>
             </a:r>
           </a:p>
           <a:p>
@@ -3776,11 +4001,19 @@
               </a:lnSpc>
             </a:pPr>
             <a:r>
-              <a:rPr lang="zh-CN" altLang="zh-CN" dirty="0"/>
+              <a:rPr lang="zh-CN" altLang="zh-CN" dirty="0">
+                <a:highlight>
+                  <a:srgbClr val="FFFF00"/>
+                </a:highlight>
+              </a:rPr>
               <a:t>目标</a:t>
             </a:r>
             <a:r>
-              <a:rPr lang="en-US" altLang="zh-CN" dirty="0"/>
+              <a:rPr lang="en-US" altLang="zh-CN" dirty="0">
+                <a:highlight>
+                  <a:srgbClr val="FFFF00"/>
+                </a:highlight>
+              </a:rPr>
               <a:t>subject</a:t>
             </a:r>
             <a:r>
@@ -3800,6 +4033,18 @@
               <a:t>，保存所有的观察者。函数</a:t>
             </a:r>
             <a:r>
+              <a:rPr lang="en-US" altLang="zh-CN" dirty="0" err="1">
+                <a:highlight>
+                  <a:srgbClr val="FFFF00"/>
+                </a:highlight>
+              </a:rPr>
+              <a:t>add_obs</a:t>
+            </a:r>
+            <a:r>
+              <a:rPr lang="zh-CN" altLang="zh-CN" dirty="0"/>
+              <a:t>添加观察者。函数</a:t>
+            </a:r>
+            <a:r>
               <a:rPr lang="en-US" altLang="zh-CN" dirty="0">
                 <a:highlight>
                   <a:srgbClr val="FFFF00"/>
@@ -3829,33 +4074,22 @@
             </a:r>
             <a:r>
               <a:rPr lang="zh-CN" altLang="zh-CN" dirty="0"/>
-              <a:t>。函数</a:t>
-            </a:r>
-            <a:r>
-              <a:rPr lang="en-US" altLang="zh-CN" dirty="0" err="1">
+              <a:t>。</a:t>
+            </a:r>
+            <a:r>
+              <a:rPr lang="zh-CN" altLang="zh-CN" dirty="0">
                 <a:highlight>
                   <a:srgbClr val="FFFF00"/>
                 </a:highlight>
               </a:rPr>
-              <a:t>add_obs</a:t>
-            </a:r>
-            <a:r>
-              <a:rPr lang="zh-CN" altLang="zh-CN" dirty="0"/>
-              <a:t>添加观察者。</a:t>
-            </a:r>
-          </a:p>
-          <a:p>
-            <a:pPr>
-              <a:lnSpc>
-                <a:spcPct val="120000"/>
-              </a:lnSpc>
-            </a:pPr>
-            <a:r>
-              <a:rPr lang="zh-CN" altLang="zh-CN" dirty="0"/>
               <a:t>观察者</a:t>
             </a:r>
             <a:r>
-              <a:rPr lang="en-US" altLang="zh-CN" dirty="0"/>
+              <a:rPr lang="en-US" altLang="zh-CN" dirty="0">
+                <a:highlight>
+                  <a:srgbClr val="FFFF00"/>
+                </a:highlight>
+              </a:rPr>
               <a:t>observer</a:t>
             </a:r>
             <a:r>
@@ -3891,15 +4125,7 @@
             </a:pPr>
             <a:r>
               <a:rPr lang="zh-CN" altLang="zh-CN" dirty="0"/>
-              <a:t>优点：目标和观察者之间抽象耦合；单一职责：</a:t>
-            </a:r>
-            <a:r>
-              <a:rPr lang="en-US" altLang="zh-CN" dirty="0"/>
-              <a:t>update</a:t>
-            </a:r>
-            <a:r>
-              <a:rPr lang="zh-CN" altLang="zh-CN" dirty="0"/>
-              <a:t>；方便地实现广播</a:t>
+              <a:t>优点：目标和观察者之间抽象耦合；</a:t>
             </a:r>
           </a:p>
           <a:p>
@@ -3910,7 +4136,15 @@
             </a:pPr>
             <a:r>
               <a:rPr lang="zh-CN" altLang="zh-CN" dirty="0"/>
-              <a:t>缺点：效率不高。</a:t>
+              <a:t>缺点：效率不高</a:t>
+            </a:r>
+            <a:r>
+              <a:rPr lang="zh-CN" altLang="en-US" dirty="0"/>
+              <a:t>（使用所有的模式都会降低效率）</a:t>
+            </a:r>
+            <a:r>
+              <a:rPr lang="zh-CN" altLang="zh-CN" dirty="0"/>
+              <a:t>。</a:t>
             </a:r>
           </a:p>
           <a:p>
@@ -3936,7 +4170,7 @@
 </p:sld>
 </file>
 
-<file path=ppt/slides/slide4.xml><?xml version="1.0" encoding="utf-8"?>
+<file path=ppt/slides/slide5.xml><?xml version="1.0" encoding="utf-8"?>
 <p:sld xmlns:a="http://schemas.openxmlformats.org/drawingml/2006/main" xmlns:r="http://schemas.openxmlformats.org/officeDocument/2006/relationships" xmlns:p="http://schemas.openxmlformats.org/presentationml/2006/main">
   <p:cSld>
     <p:spTree>

--- a/week11/第十一周设计模式、装饰器、生成器.pptx
+++ b/week11/第十一周设计模式、装饰器、生成器.pptx
@@ -3286,7 +3286,19 @@
             </a:r>
             <a:r>
               <a:rPr lang="zh-CN" altLang="zh-CN" dirty="0"/>
-              <a:t>：全局只有一个实例（尽管实例化了很多次，但都指向同一个实例对象）</a:t>
+              <a:t>：</a:t>
+            </a:r>
+            <a:r>
+              <a:rPr lang="zh-CN" altLang="zh-CN" dirty="0">
+                <a:highlight>
+                  <a:srgbClr val="FFFF00"/>
+                </a:highlight>
+              </a:rPr>
+              <a:t>全局只有一个实例</a:t>
+            </a:r>
+            <a:r>
+              <a:rPr lang="zh-CN" altLang="zh-CN" dirty="0"/>
+              <a:t>（尽管实例化了很多次，但都指向同一个实例对象）</a:t>
             </a:r>
           </a:p>
           <a:p>
@@ -4245,11 +4257,58 @@
         </p:blipFill>
         <p:spPr>
           <a:xfrm>
-            <a:off x="3920331" y="1825625"/>
+            <a:off x="7210183" y="1964773"/>
             <a:ext cx="4351338" cy="4351338"/>
           </a:xfrm>
         </p:spPr>
       </p:pic>
+      <p:sp>
+        <p:nvSpPr>
+          <p:cNvPr id="3" name="矩形 2">
+            <a:extLst>
+              <a:ext uri="{FF2B5EF4-FFF2-40B4-BE49-F238E27FC236}">
+                <a16:creationId xmlns:a16="http://schemas.microsoft.com/office/drawing/2014/main" id="{12E021EC-4051-41E5-8301-7B1CA78DB17D}"/>
+              </a:ext>
+            </a:extLst>
+          </p:cNvPr>
+          <p:cNvSpPr/>
+          <p:nvPr/>
+        </p:nvSpPr>
+        <p:spPr>
+          <a:xfrm>
+            <a:off x="5188540" y="3244334"/>
+            <a:ext cx="1814920" cy="369332"/>
+          </a:xfrm>
+          <a:prstGeom prst="rect">
+            <a:avLst/>
+          </a:prstGeom>
+        </p:spPr>
+        <p:txBody>
+          <a:bodyPr wrap="none">
+            <a:spAutoFit/>
+          </a:bodyPr>
+          <a:lstStyle/>
+          <a:p>
+            <a:r>
+              <a:rPr lang="en-US" altLang="zh-CN" b="1" dirty="0" err="1">
+                <a:highlight>
+                  <a:srgbClr val="FFFF00"/>
+                </a:highlight>
+                <a:latin typeface="微软雅黑" panose="020B0503020204020204" pitchFamily="34" charset="-122"/>
+                <a:ea typeface="微软雅黑" panose="020B0503020204020204" pitchFamily="34" charset="-122"/>
+              </a:rPr>
+              <a:t>pengbeifudao</a:t>
+            </a:r>
+            <a:endParaRPr lang="en-US" altLang="zh-CN" b="1" dirty="0">
+              <a:highlight>
+                <a:srgbClr val="FFFF00"/>
+              </a:highlight>
+              <a:latin typeface="微软雅黑" panose="020B0503020204020204" pitchFamily="34" charset="-122"/>
+              <a:ea typeface="微软雅黑" panose="020B0503020204020204" pitchFamily="34" charset="-122"/>
+            </a:endParaRPr>
+          </a:p>
+        </p:txBody>
+      </p:sp>
     </p:spTree>
     <p:extLst>
       <p:ext uri="{BB962C8B-B14F-4D97-AF65-F5344CB8AC3E}">
